--- a/NHSR_2021_ExploreR_intro_final.pptx
+++ b/NHSR_2021_ExploreR_intro_final.pptx
@@ -118,7 +118,7 @@
   </p:defaultTextStyle>
   <p:extLst>
     <p:ext uri="{EFAFB233-063F-42B5-8137-9DF3F51BA10A}">
-      <p15:sldGuideLst xmlns:p15="http://schemas.microsoft.com/office/powerpoint/2012/main">
+      <p15:sldGuideLst xmlns:p15="http://schemas.microsoft.com/office/powerpoint/2012/main" xmlns="">
         <p15:guide id="1" orient="horz" pos="2160">
           <p15:clr>
             <a:srgbClr val="A4A3A4"/>
@@ -132,7 +132,7 @@
       </p15:sldGuideLst>
     </p:ext>
     <p:ext uri="{2D200454-40CA-4A62-9FC3-DE9A4176ACB9}">
-      <p15:notesGuideLst xmlns:p15="http://schemas.microsoft.com/office/powerpoint/2012/main">
+      <p15:notesGuideLst xmlns:p15="http://schemas.microsoft.com/office/powerpoint/2012/main" xmlns="">
         <p15:guide id="1" orient="horz" pos="2880">
           <p15:clr>
             <a:srgbClr val="A4A3A4"/>
@@ -5308,6 +5308,14 @@
               </a:rPr>
               <a:t>The PHM ExploreR</a:t>
             </a:r>
+            <a:r>
+              <a:rPr lang="en-GB" sz="3600" b="1" dirty="0">
+                <a:solidFill>
+                  <a:srgbClr val="005EB8"/>
+                </a:solidFill>
+              </a:rPr>
+              <a:t/>
+            </a:r>
             <a:br>
               <a:rPr lang="en-GB" sz="3600" b="1" dirty="0">
                 <a:solidFill>
@@ -5644,7 +5652,7 @@
           <p:cNvPr id="6" name="Title 1">
             <a:extLst>
               <a:ext uri="{FF2B5EF4-FFF2-40B4-BE49-F238E27FC236}">
-                <a16:creationId xmlns:a16="http://schemas.microsoft.com/office/drawing/2014/main" id="{CF4E3377-B73F-4501-9426-5CA638150593}"/>
+                <a16:creationId xmlns:a16="http://schemas.microsoft.com/office/drawing/2014/main" xmlns="" id="{CF4E3377-B73F-4501-9426-5CA638150593}"/>
               </a:ext>
             </a:extLst>
           </p:cNvPr>
@@ -5707,7 +5715,7 @@
           <p:cNvPr id="4" name="Picture 3">
             <a:extLst>
               <a:ext uri="{FF2B5EF4-FFF2-40B4-BE49-F238E27FC236}">
-                <a16:creationId xmlns:a16="http://schemas.microsoft.com/office/drawing/2014/main" id="{F418D1C9-FB1E-4ADC-91D5-AF452B0F5F14}"/>
+                <a16:creationId xmlns:a16="http://schemas.microsoft.com/office/drawing/2014/main" xmlns="" id="{F418D1C9-FB1E-4ADC-91D5-AF452B0F5F14}"/>
               </a:ext>
             </a:extLst>
           </p:cNvPr>
@@ -5772,7 +5780,7 @@
           <p:cNvPr id="20" name="Group 19">
             <a:extLst>
               <a:ext uri="{FF2B5EF4-FFF2-40B4-BE49-F238E27FC236}">
-                <a16:creationId xmlns:a16="http://schemas.microsoft.com/office/drawing/2014/main" id="{769F5922-70B0-4DF6-9DDB-2C0601C98738}"/>
+                <a16:creationId xmlns:a16="http://schemas.microsoft.com/office/drawing/2014/main" xmlns="" id="{769F5922-70B0-4DF6-9DDB-2C0601C98738}"/>
               </a:ext>
             </a:extLst>
           </p:cNvPr>
@@ -5792,7 +5800,7 @@
             <p:cNvPr id="15" name="Picture 14">
               <a:extLst>
                 <a:ext uri="{FF2B5EF4-FFF2-40B4-BE49-F238E27FC236}">
-                  <a16:creationId xmlns:a16="http://schemas.microsoft.com/office/drawing/2014/main" id="{0C766C27-2385-4182-9B22-7F2DFD6C18F6}"/>
+                  <a16:creationId xmlns:a16="http://schemas.microsoft.com/office/drawing/2014/main" xmlns="" id="{0C766C27-2385-4182-9B22-7F2DFD6C18F6}"/>
                 </a:ext>
               </a:extLst>
             </p:cNvPr>
@@ -5821,7 +5829,7 @@
             <p:cNvPr id="16" name="Oval 15">
               <a:extLst>
                 <a:ext uri="{FF2B5EF4-FFF2-40B4-BE49-F238E27FC236}">
-                  <a16:creationId xmlns:a16="http://schemas.microsoft.com/office/drawing/2014/main" id="{5EFB9725-F334-4D2D-8E0E-F08B97B017B3}"/>
+                  <a16:creationId xmlns:a16="http://schemas.microsoft.com/office/drawing/2014/main" xmlns="" id="{5EFB9725-F334-4D2D-8E0E-F08B97B017B3}"/>
                 </a:ext>
               </a:extLst>
             </p:cNvPr>
@@ -5873,7 +5881,7 @@
             <p:cNvPr id="18" name="Picture 17">
               <a:extLst>
                 <a:ext uri="{FF2B5EF4-FFF2-40B4-BE49-F238E27FC236}">
-                  <a16:creationId xmlns:a16="http://schemas.microsoft.com/office/drawing/2014/main" id="{B42DA7A0-7D98-4E99-A503-7C7BB997CE81}"/>
+                  <a16:creationId xmlns:a16="http://schemas.microsoft.com/office/drawing/2014/main" xmlns="" id="{B42DA7A0-7D98-4E99-A503-7C7BB997CE81}"/>
                 </a:ext>
               </a:extLst>
             </p:cNvPr>
@@ -5902,7 +5910,7 @@
             <p:cNvPr id="17" name="Oval 16">
               <a:extLst>
                 <a:ext uri="{FF2B5EF4-FFF2-40B4-BE49-F238E27FC236}">
-                  <a16:creationId xmlns:a16="http://schemas.microsoft.com/office/drawing/2014/main" id="{E208A56B-8E91-469D-A395-E369E8C401AA}"/>
+                  <a16:creationId xmlns:a16="http://schemas.microsoft.com/office/drawing/2014/main" xmlns="" id="{E208A56B-8E91-469D-A395-E369E8C401AA}"/>
                 </a:ext>
               </a:extLst>
             </p:cNvPr>
@@ -5954,7 +5962,7 @@
             <p:cNvPr id="19" name="Oval 18">
               <a:extLst>
                 <a:ext uri="{FF2B5EF4-FFF2-40B4-BE49-F238E27FC236}">
-                  <a16:creationId xmlns:a16="http://schemas.microsoft.com/office/drawing/2014/main" id="{D49A2282-B5DD-46A9-8D40-4F7D38542C75}"/>
+                  <a16:creationId xmlns:a16="http://schemas.microsoft.com/office/drawing/2014/main" xmlns="" id="{D49A2282-B5DD-46A9-8D40-4F7D38542C75}"/>
                 </a:ext>
               </a:extLst>
             </p:cNvPr>
@@ -6007,7 +6015,7 @@
           <p:cNvPr id="21" name="Title 1">
             <a:extLst>
               <a:ext uri="{FF2B5EF4-FFF2-40B4-BE49-F238E27FC236}">
-                <a16:creationId xmlns:a16="http://schemas.microsoft.com/office/drawing/2014/main" id="{43BE3A92-3C24-4ECB-9437-4BD5238F6DF8}"/>
+                <a16:creationId xmlns:a16="http://schemas.microsoft.com/office/drawing/2014/main" xmlns="" id="{43BE3A92-3C24-4ECB-9437-4BD5238F6DF8}"/>
               </a:ext>
             </a:extLst>
           </p:cNvPr>
@@ -6173,7 +6181,7 @@
           <p:cNvPr id="6" name="Title 1">
             <a:extLst>
               <a:ext uri="{FF2B5EF4-FFF2-40B4-BE49-F238E27FC236}">
-                <a16:creationId xmlns:a16="http://schemas.microsoft.com/office/drawing/2014/main" id="{CF4E3377-B73F-4501-9426-5CA638150593}"/>
+                <a16:creationId xmlns:a16="http://schemas.microsoft.com/office/drawing/2014/main" xmlns="" id="{CF4E3377-B73F-4501-9426-5CA638150593}"/>
               </a:ext>
             </a:extLst>
           </p:cNvPr>
@@ -6640,7 +6648,7 @@
           <p:cNvPr id="13" name="Title 1">
             <a:extLst>
               <a:ext uri="{FF2B5EF4-FFF2-40B4-BE49-F238E27FC236}">
-                <a16:creationId xmlns:a16="http://schemas.microsoft.com/office/drawing/2014/main" id="{3668F200-080C-4CAB-880D-87552AE2EA92}"/>
+                <a16:creationId xmlns:a16="http://schemas.microsoft.com/office/drawing/2014/main" xmlns="" id="{3668F200-080C-4CAB-880D-87552AE2EA92}"/>
               </a:ext>
             </a:extLst>
           </p:cNvPr>
@@ -6733,7 +6741,7 @@
           <p:cNvPr id="3" name="Picture 2">
             <a:extLst>
               <a:ext uri="{FF2B5EF4-FFF2-40B4-BE49-F238E27FC236}">
-                <a16:creationId xmlns:a16="http://schemas.microsoft.com/office/drawing/2014/main" id="{2D89BEEF-17F4-483A-B41E-0C1DED6C6150}"/>
+                <a16:creationId xmlns:a16="http://schemas.microsoft.com/office/drawing/2014/main" xmlns="" id="{2D89BEEF-17F4-483A-B41E-0C1DED6C6150}"/>
               </a:ext>
             </a:extLst>
           </p:cNvPr>
@@ -6763,7 +6771,7 @@
           <p:cNvPr id="22" name="Title 1">
             <a:extLst>
               <a:ext uri="{FF2B5EF4-FFF2-40B4-BE49-F238E27FC236}">
-                <a16:creationId xmlns:a16="http://schemas.microsoft.com/office/drawing/2014/main" id="{E4F620BA-3F71-42AD-ACB4-66EDFCD4DCF0}"/>
+                <a16:creationId xmlns:a16="http://schemas.microsoft.com/office/drawing/2014/main" xmlns="" id="{E4F620BA-3F71-42AD-ACB4-66EDFCD4DCF0}"/>
               </a:ext>
             </a:extLst>
           </p:cNvPr>
@@ -6872,7 +6880,7 @@
           <p:cNvPr id="4" name="Picture 3">
             <a:extLst>
               <a:ext uri="{FF2B5EF4-FFF2-40B4-BE49-F238E27FC236}">
-                <a16:creationId xmlns:a16="http://schemas.microsoft.com/office/drawing/2014/main" id="{1A284BB3-20D4-4C53-974B-34DA96C332AD}"/>
+                <a16:creationId xmlns:a16="http://schemas.microsoft.com/office/drawing/2014/main" xmlns="" id="{1A284BB3-20D4-4C53-974B-34DA96C332AD}"/>
               </a:ext>
             </a:extLst>
           </p:cNvPr>
@@ -6902,7 +6910,7 @@
           <p:cNvPr id="22" name="Title 1">
             <a:extLst>
               <a:ext uri="{FF2B5EF4-FFF2-40B4-BE49-F238E27FC236}">
-                <a16:creationId xmlns:a16="http://schemas.microsoft.com/office/drawing/2014/main" id="{7268D7E6-7F50-4BBD-B355-F6C19FB33DA4}"/>
+                <a16:creationId xmlns:a16="http://schemas.microsoft.com/office/drawing/2014/main" xmlns="" id="{7268D7E6-7F50-4BBD-B355-F6C19FB33DA4}"/>
               </a:ext>
             </a:extLst>
           </p:cNvPr>
@@ -7429,7 +7437,7 @@
           <p:cNvPr id="9" name="Group 8">
             <a:extLst>
               <a:ext uri="{FF2B5EF4-FFF2-40B4-BE49-F238E27FC236}">
-                <a16:creationId xmlns:a16="http://schemas.microsoft.com/office/drawing/2014/main" id="{238AA326-590A-4AF3-86CB-2684C6D93EC4}"/>
+                <a16:creationId xmlns:a16="http://schemas.microsoft.com/office/drawing/2014/main" xmlns="" id="{238AA326-590A-4AF3-86CB-2684C6D93EC4}"/>
               </a:ext>
             </a:extLst>
           </p:cNvPr>
@@ -7449,7 +7457,7 @@
             <p:cNvPr id="4" name="Picture 3">
               <a:extLst>
                 <a:ext uri="{FF2B5EF4-FFF2-40B4-BE49-F238E27FC236}">
-                  <a16:creationId xmlns:a16="http://schemas.microsoft.com/office/drawing/2014/main" id="{C358C8E0-C74C-410C-BF27-80B2796BC9A2}"/>
+                  <a16:creationId xmlns:a16="http://schemas.microsoft.com/office/drawing/2014/main" xmlns="" id="{C358C8E0-C74C-410C-BF27-80B2796BC9A2}"/>
                 </a:ext>
               </a:extLst>
             </p:cNvPr>
@@ -7487,7 +7495,7 @@
             <p:cNvPr id="17" name="TextBox 16">
               <a:extLst>
                 <a:ext uri="{FF2B5EF4-FFF2-40B4-BE49-F238E27FC236}">
-                  <a16:creationId xmlns:a16="http://schemas.microsoft.com/office/drawing/2014/main" id="{DF5DCC62-4721-4F60-BA0E-672025966613}"/>
+                  <a16:creationId xmlns:a16="http://schemas.microsoft.com/office/drawing/2014/main" xmlns="" id="{DF5DCC62-4721-4F60-BA0E-672025966613}"/>
                 </a:ext>
               </a:extLst>
             </p:cNvPr>
@@ -7524,7 +7532,7 @@
           <p:cNvPr id="19" name="Title 1">
             <a:extLst>
               <a:ext uri="{FF2B5EF4-FFF2-40B4-BE49-F238E27FC236}">
-                <a16:creationId xmlns:a16="http://schemas.microsoft.com/office/drawing/2014/main" id="{B38203E0-F29B-4E8E-9E88-F4F8F10FE481}"/>
+                <a16:creationId xmlns:a16="http://schemas.microsoft.com/office/drawing/2014/main" xmlns="" id="{B38203E0-F29B-4E8E-9E88-F4F8F10FE481}"/>
               </a:ext>
             </a:extLst>
           </p:cNvPr>
@@ -7662,8 +7670,12 @@
           </a:p>
           <a:p>
             <a:r>
+              <a:rPr lang="en-GB" smtClean="0"/>
+              <a:t>11:05 </a:t>
+            </a:r>
+            <a:r>
               <a:rPr lang="en-GB" dirty="0"/>
-              <a:t>11:15 - 11:45    Risk stratification, </a:t>
+              <a:t>- 11:45    Risk stratification, </a:t>
             </a:r>
             <a:r>
               <a:rPr lang="en-GB" dirty="0" err="1"/>
@@ -7690,7 +7702,7 @@
           <p:cNvPr id="6" name="Title 1">
             <a:extLst>
               <a:ext uri="{FF2B5EF4-FFF2-40B4-BE49-F238E27FC236}">
-                <a16:creationId xmlns:a16="http://schemas.microsoft.com/office/drawing/2014/main" id="{CF4E3377-B73F-4501-9426-5CA638150593}"/>
+                <a16:creationId xmlns:a16="http://schemas.microsoft.com/office/drawing/2014/main" xmlns="" id="{CF4E3377-B73F-4501-9426-5CA638150593}"/>
               </a:ext>
             </a:extLst>
           </p:cNvPr>
@@ -8016,7 +8028,7 @@
   <a:extraClrSchemeLst/>
   <a:extLst>
     <a:ext uri="{05A4C25C-085E-4340-85A3-A5531E510DB2}">
-      <thm15:themeFamily xmlns:thm15="http://schemas.microsoft.com/office/thememl/2012/main" name="Office Theme" id="{62F939B6-93AF-4DB8-9C6B-D6C7DFDC589F}" vid="{4A3C46E8-61CC-4603-A589-7422A47A8E4A}"/>
+      <thm15:themeFamily xmlns:thm15="http://schemas.microsoft.com/office/thememl/2012/main" xmlns="" name="Office Theme" id="{62F939B6-93AF-4DB8-9C6B-D6C7DFDC589F}" vid="{4A3C46E8-61CC-4603-A589-7422A47A8E4A}"/>
     </a:ext>
   </a:extLst>
 </a:theme>
